--- a/中文分词.pptx
+++ b/中文分词.pptx
@@ -12,9 +12,10 @@
     <p:sldId id="261" r:id="rId6"/>
     <p:sldId id="262" r:id="rId7"/>
     <p:sldId id="263" r:id="rId8"/>
-    <p:sldId id="265" r:id="rId9"/>
-    <p:sldId id="266" r:id="rId10"/>
-    <p:sldId id="268" r:id="rId11"/>
+    <p:sldId id="269" r:id="rId9"/>
+    <p:sldId id="265" r:id="rId10"/>
+    <p:sldId id="266" r:id="rId11"/>
+    <p:sldId id="268" r:id="rId12"/>
   </p:sldIdLst>
   <p:sldSz cx="12192000" cy="6858000"/>
   <p:notesSz cx="6858000" cy="9144000"/>
@@ -252,7 +253,7 @@
           <a:p>
             <a:fld id="{3AB1B7C6-1A32-4198-8523-8F701273DDDE}" type="datetimeFigureOut">
               <a:rPr lang="zh-CN" altLang="en-US" smtClean="0"/>
-              <a:t>2016/11/24</a:t>
+              <a:t>2018/4/15</a:t>
             </a:fld>
             <a:endParaRPr lang="zh-CN" altLang="en-US"/>
           </a:p>
@@ -422,7 +423,7 @@
           <a:p>
             <a:fld id="{3AB1B7C6-1A32-4198-8523-8F701273DDDE}" type="datetimeFigureOut">
               <a:rPr lang="zh-CN" altLang="en-US" smtClean="0"/>
-              <a:t>2016/11/24</a:t>
+              <a:t>2018/4/15</a:t>
             </a:fld>
             <a:endParaRPr lang="zh-CN" altLang="en-US"/>
           </a:p>
@@ -602,7 +603,7 @@
           <a:p>
             <a:fld id="{3AB1B7C6-1A32-4198-8523-8F701273DDDE}" type="datetimeFigureOut">
               <a:rPr lang="zh-CN" altLang="en-US" smtClean="0"/>
-              <a:t>2016/11/24</a:t>
+              <a:t>2018/4/15</a:t>
             </a:fld>
             <a:endParaRPr lang="zh-CN" altLang="en-US"/>
           </a:p>
@@ -772,7 +773,7 @@
           <a:p>
             <a:fld id="{3AB1B7C6-1A32-4198-8523-8F701273DDDE}" type="datetimeFigureOut">
               <a:rPr lang="zh-CN" altLang="en-US" smtClean="0"/>
-              <a:t>2016/11/24</a:t>
+              <a:t>2018/4/15</a:t>
             </a:fld>
             <a:endParaRPr lang="zh-CN" altLang="en-US"/>
           </a:p>
@@ -1018,7 +1019,7 @@
           <a:p>
             <a:fld id="{3AB1B7C6-1A32-4198-8523-8F701273DDDE}" type="datetimeFigureOut">
               <a:rPr lang="zh-CN" altLang="en-US" smtClean="0"/>
-              <a:t>2016/11/24</a:t>
+              <a:t>2018/4/15</a:t>
             </a:fld>
             <a:endParaRPr lang="zh-CN" altLang="en-US"/>
           </a:p>
@@ -1250,7 +1251,7 @@
           <a:p>
             <a:fld id="{3AB1B7C6-1A32-4198-8523-8F701273DDDE}" type="datetimeFigureOut">
               <a:rPr lang="zh-CN" altLang="en-US" smtClean="0"/>
-              <a:t>2016/11/24</a:t>
+              <a:t>2018/4/15</a:t>
             </a:fld>
             <a:endParaRPr lang="zh-CN" altLang="en-US"/>
           </a:p>
@@ -1617,7 +1618,7 @@
           <a:p>
             <a:fld id="{3AB1B7C6-1A32-4198-8523-8F701273DDDE}" type="datetimeFigureOut">
               <a:rPr lang="zh-CN" altLang="en-US" smtClean="0"/>
-              <a:t>2016/11/24</a:t>
+              <a:t>2018/4/15</a:t>
             </a:fld>
             <a:endParaRPr lang="zh-CN" altLang="en-US"/>
           </a:p>
@@ -1735,7 +1736,7 @@
           <a:p>
             <a:fld id="{3AB1B7C6-1A32-4198-8523-8F701273DDDE}" type="datetimeFigureOut">
               <a:rPr lang="zh-CN" altLang="en-US" smtClean="0"/>
-              <a:t>2016/11/24</a:t>
+              <a:t>2018/4/15</a:t>
             </a:fld>
             <a:endParaRPr lang="zh-CN" altLang="en-US"/>
           </a:p>
@@ -1830,7 +1831,7 @@
           <a:p>
             <a:fld id="{3AB1B7C6-1A32-4198-8523-8F701273DDDE}" type="datetimeFigureOut">
               <a:rPr lang="zh-CN" altLang="en-US" smtClean="0"/>
-              <a:t>2016/11/24</a:t>
+              <a:t>2018/4/15</a:t>
             </a:fld>
             <a:endParaRPr lang="zh-CN" altLang="en-US"/>
           </a:p>
@@ -2107,7 +2108,7 @@
           <a:p>
             <a:fld id="{3AB1B7C6-1A32-4198-8523-8F701273DDDE}" type="datetimeFigureOut">
               <a:rPr lang="zh-CN" altLang="en-US" smtClean="0"/>
-              <a:t>2016/11/24</a:t>
+              <a:t>2018/4/15</a:t>
             </a:fld>
             <a:endParaRPr lang="zh-CN" altLang="en-US"/>
           </a:p>
@@ -2360,7 +2361,7 @@
           <a:p>
             <a:fld id="{3AB1B7C6-1A32-4198-8523-8F701273DDDE}" type="datetimeFigureOut">
               <a:rPr lang="zh-CN" altLang="en-US" smtClean="0"/>
-              <a:t>2016/11/24</a:t>
+              <a:t>2018/4/15</a:t>
             </a:fld>
             <a:endParaRPr lang="zh-CN" altLang="en-US"/>
           </a:p>
@@ -2573,7 +2574,7 @@
           <a:p>
             <a:fld id="{3AB1B7C6-1A32-4198-8523-8F701273DDDE}" type="datetimeFigureOut">
               <a:rPr lang="zh-CN" altLang="en-US" smtClean="0"/>
-              <a:t>2016/11/24</a:t>
+              <a:t>2018/4/15</a:t>
             </a:fld>
             <a:endParaRPr lang="zh-CN" altLang="en-US"/>
           </a:p>
@@ -3095,6 +3096,517 @@
             <a:spLocks noGrp="1"/>
           </p:cNvSpPr>
           <p:nvPr>
+            <p:ph type="title"/>
+          </p:nvPr>
+        </p:nvSpPr>
+        <p:spPr/>
+        <p:txBody>
+          <a:bodyPr>
+            <a:normAutofit fontScale="90000"/>
+          </a:bodyPr>
+          <a:lstStyle/>
+          <a:p>
+            <a:pPr lvl="0"/>
+            <a:r>
+              <a:rPr lang="en-US" altLang="zh-CN" dirty="0" smtClean="0">
+                <a:latin typeface="宋体" panose="02010600030101010101" pitchFamily="2" charset="-122"/>
+                <a:ea typeface="宋体" panose="02010600030101010101" pitchFamily="2" charset="-122"/>
+              </a:rPr>
+              <a:t/>
+            </a:r>
+            <a:br>
+              <a:rPr lang="en-US" altLang="zh-CN" dirty="0" smtClean="0">
+                <a:latin typeface="宋体" panose="02010600030101010101" pitchFamily="2" charset="-122"/>
+                <a:ea typeface="宋体" panose="02010600030101010101" pitchFamily="2" charset="-122"/>
+              </a:rPr>
+            </a:br>
+            <a:r>
+              <a:rPr lang="en-US" altLang="zh-CN" dirty="0">
+                <a:latin typeface="宋体" panose="02010600030101010101" pitchFamily="2" charset="-122"/>
+                <a:ea typeface="宋体" panose="02010600030101010101" pitchFamily="2" charset="-122"/>
+              </a:rPr>
+              <a:t> </a:t>
+            </a:r>
+            <a:r>
+              <a:rPr lang="en-US" altLang="zh-CN" dirty="0" smtClean="0">
+                <a:latin typeface="宋体" panose="02010600030101010101" pitchFamily="2" charset="-122"/>
+                <a:ea typeface="宋体" panose="02010600030101010101" pitchFamily="2" charset="-122"/>
+              </a:rPr>
+              <a:t>            </a:t>
+            </a:r>
+            <a:r>
+              <a:rPr lang="zh-CN" altLang="zh-CN" dirty="0" smtClean="0">
+                <a:latin typeface="宋体" panose="02010600030101010101" pitchFamily="2" charset="-122"/>
+                <a:ea typeface="宋体" panose="02010600030101010101" pitchFamily="2" charset="-122"/>
+              </a:rPr>
+              <a:t>评估</a:t>
+            </a:r>
+            <a:r>
+              <a:rPr lang="zh-CN" altLang="zh-CN" dirty="0">
+                <a:latin typeface="宋体" panose="02010600030101010101" pitchFamily="2" charset="-122"/>
+                <a:ea typeface="宋体" panose="02010600030101010101" pitchFamily="2" charset="-122"/>
+              </a:rPr>
+              <a:t>方法及评估结果</a:t>
+            </a:r>
+            <a:r>
+              <a:rPr lang="zh-CN" altLang="en-US" dirty="0">
+                <a:latin typeface="宋体" panose="02010600030101010101" pitchFamily="2" charset="-122"/>
+                <a:ea typeface="宋体" panose="02010600030101010101" pitchFamily="2" charset="-122"/>
+              </a:rPr>
+              <a:t/>
+            </a:r>
+            <a:br>
+              <a:rPr lang="zh-CN" altLang="en-US" dirty="0">
+                <a:latin typeface="宋体" panose="02010600030101010101" pitchFamily="2" charset="-122"/>
+                <a:ea typeface="宋体" panose="02010600030101010101" pitchFamily="2" charset="-122"/>
+              </a:rPr>
+            </a:br>
+            <a:endParaRPr lang="zh-CN" altLang="en-US" dirty="0"/>
+          </a:p>
+        </p:txBody>
+      </p:sp>
+      <p:sp>
+        <p:nvSpPr>
+          <p:cNvPr id="3" name="内容占位符 2"/>
+          <p:cNvSpPr>
+            <a:spLocks noGrp="1"/>
+          </p:cNvSpPr>
+          <p:nvPr>
+            <p:ph idx="1"/>
+          </p:nvPr>
+        </p:nvSpPr>
+        <p:spPr/>
+        <p:txBody>
+          <a:bodyPr/>
+          <a:lstStyle/>
+          <a:p>
+            <a:r>
+              <a:rPr lang="zh-CN" altLang="en-US" dirty="0" smtClean="0"/>
+              <a:t>评估方法</a:t>
+            </a:r>
+            <a:endParaRPr lang="en-US" altLang="zh-CN" dirty="0" smtClean="0"/>
+          </a:p>
+          <a:p>
+            <a:pPr marL="0" indent="0">
+              <a:buNone/>
+            </a:pPr>
+            <a:r>
+              <a:rPr lang="zh-CN" altLang="en-US" sz="2400" dirty="0" smtClean="0">
+                <a:latin typeface="宋体" panose="02010600030101010101" pitchFamily="2" charset="-122"/>
+                <a:ea typeface="宋体" panose="02010600030101010101" pitchFamily="2" charset="-122"/>
+              </a:rPr>
+              <a:t>  常用</a:t>
+            </a:r>
+            <a:r>
+              <a:rPr lang="zh-CN" altLang="en-US" sz="2400" dirty="0">
+                <a:latin typeface="宋体" panose="02010600030101010101" pitchFamily="2" charset="-122"/>
+                <a:ea typeface="宋体" panose="02010600030101010101" pitchFamily="2" charset="-122"/>
+              </a:rPr>
+              <a:t>的评测指标包括准确率</a:t>
+            </a:r>
+            <a:r>
+              <a:rPr lang="en-US" altLang="zh-CN" sz="2400" dirty="0">
+                <a:latin typeface="宋体" panose="02010600030101010101" pitchFamily="2" charset="-122"/>
+                <a:ea typeface="宋体" panose="02010600030101010101" pitchFamily="2" charset="-122"/>
+              </a:rPr>
+              <a:t>P(Precision)</a:t>
+            </a:r>
+            <a:r>
+              <a:rPr lang="zh-CN" altLang="en-US" sz="2400" dirty="0">
+                <a:latin typeface="宋体" panose="02010600030101010101" pitchFamily="2" charset="-122"/>
+                <a:ea typeface="宋体" panose="02010600030101010101" pitchFamily="2" charset="-122"/>
+              </a:rPr>
+              <a:t>、召回率</a:t>
+            </a:r>
+            <a:r>
+              <a:rPr lang="en-US" altLang="zh-CN" sz="2400" dirty="0">
+                <a:latin typeface="宋体" panose="02010600030101010101" pitchFamily="2" charset="-122"/>
+                <a:ea typeface="宋体" panose="02010600030101010101" pitchFamily="2" charset="-122"/>
+              </a:rPr>
+              <a:t>R(Recall)</a:t>
+            </a:r>
+            <a:r>
+              <a:rPr lang="zh-CN" altLang="en-US" sz="2400" dirty="0">
+                <a:latin typeface="宋体" panose="02010600030101010101" pitchFamily="2" charset="-122"/>
+                <a:ea typeface="宋体" panose="02010600030101010101" pitchFamily="2" charset="-122"/>
+              </a:rPr>
+              <a:t>和</a:t>
+            </a:r>
+            <a:r>
+              <a:rPr lang="en-US" altLang="zh-CN" sz="2400" dirty="0">
+                <a:latin typeface="宋体" panose="02010600030101010101" pitchFamily="2" charset="-122"/>
+                <a:ea typeface="宋体" panose="02010600030101010101" pitchFamily="2" charset="-122"/>
+              </a:rPr>
+              <a:t>F</a:t>
+            </a:r>
+            <a:r>
+              <a:rPr lang="zh-CN" altLang="en-US" sz="2400" dirty="0">
+                <a:latin typeface="宋体" panose="02010600030101010101" pitchFamily="2" charset="-122"/>
+                <a:ea typeface="宋体" panose="02010600030101010101" pitchFamily="2" charset="-122"/>
+              </a:rPr>
+              <a:t>值</a:t>
+            </a:r>
+            <a:r>
+              <a:rPr lang="en-US" altLang="zh-CN" sz="2400" dirty="0">
+                <a:latin typeface="宋体" panose="02010600030101010101" pitchFamily="2" charset="-122"/>
+                <a:ea typeface="宋体" panose="02010600030101010101" pitchFamily="2" charset="-122"/>
+              </a:rPr>
+              <a:t>(F Score</a:t>
+            </a:r>
+            <a:r>
+              <a:rPr lang="en-US" altLang="zh-CN" sz="2400" dirty="0" smtClean="0">
+                <a:latin typeface="宋体" panose="02010600030101010101" pitchFamily="2" charset="-122"/>
+                <a:ea typeface="宋体" panose="02010600030101010101" pitchFamily="2" charset="-122"/>
+              </a:rPr>
+              <a:t>)</a:t>
+            </a:r>
+            <a:r>
+              <a:rPr lang="zh-CN" altLang="en-US" sz="2400" dirty="0" smtClean="0">
+                <a:latin typeface="宋体" panose="02010600030101010101" pitchFamily="2" charset="-122"/>
+                <a:ea typeface="宋体" panose="02010600030101010101" pitchFamily="2" charset="-122"/>
+              </a:rPr>
+              <a:t>。</a:t>
+            </a:r>
+            <a:endParaRPr lang="en-US" altLang="zh-CN" sz="2400" dirty="0" smtClean="0">
+              <a:latin typeface="宋体" panose="02010600030101010101" pitchFamily="2" charset="-122"/>
+              <a:ea typeface="宋体" panose="02010600030101010101" pitchFamily="2" charset="-122"/>
+            </a:endParaRPr>
+          </a:p>
+          <a:p>
+            <a:pPr marL="0" indent="0">
+              <a:buNone/>
+            </a:pPr>
+            <a:r>
+              <a:rPr lang="en-US" altLang="zh-CN" sz="2400" dirty="0" smtClean="0">
+                <a:latin typeface="宋体" panose="02010600030101010101" pitchFamily="2" charset="-122"/>
+                <a:ea typeface="宋体" panose="02010600030101010101" pitchFamily="2" charset="-122"/>
+              </a:rPr>
+              <a:t>P=</a:t>
+            </a:r>
+            <a:r>
+              <a:rPr lang="zh-CN" altLang="en-US" sz="2400" dirty="0" smtClean="0">
+                <a:latin typeface="宋体" panose="02010600030101010101" pitchFamily="2" charset="-122"/>
+                <a:ea typeface="宋体" panose="02010600030101010101" pitchFamily="2" charset="-122"/>
+              </a:rPr>
+              <a:t>分词结果中切分正确的总词数</a:t>
+            </a:r>
+            <a:r>
+              <a:rPr lang="en-US" altLang="zh-CN" sz="2400" dirty="0" smtClean="0">
+                <a:latin typeface="宋体" panose="02010600030101010101" pitchFamily="2" charset="-122"/>
+                <a:ea typeface="宋体" panose="02010600030101010101" pitchFamily="2" charset="-122"/>
+              </a:rPr>
+              <a:t>/</a:t>
+            </a:r>
+            <a:r>
+              <a:rPr lang="zh-CN" altLang="en-US" sz="2400" dirty="0" smtClean="0">
+                <a:latin typeface="宋体" panose="02010600030101010101" pitchFamily="2" charset="-122"/>
+                <a:ea typeface="宋体" panose="02010600030101010101" pitchFamily="2" charset="-122"/>
+              </a:rPr>
+              <a:t>分词结果中的总词数</a:t>
+            </a:r>
+            <a:endParaRPr lang="en-US" altLang="zh-CN" sz="2400" dirty="0" smtClean="0">
+              <a:latin typeface="宋体" panose="02010600030101010101" pitchFamily="2" charset="-122"/>
+              <a:ea typeface="宋体" panose="02010600030101010101" pitchFamily="2" charset="-122"/>
+            </a:endParaRPr>
+          </a:p>
+          <a:p>
+            <a:pPr marL="0" indent="0">
+              <a:buNone/>
+            </a:pPr>
+            <a:r>
+              <a:rPr lang="en-US" altLang="zh-CN" sz="2400" dirty="0" smtClean="0">
+                <a:latin typeface="宋体" panose="02010600030101010101" pitchFamily="2" charset="-122"/>
+                <a:ea typeface="宋体" panose="02010600030101010101" pitchFamily="2" charset="-122"/>
+              </a:rPr>
+              <a:t>R=</a:t>
+            </a:r>
+            <a:r>
+              <a:rPr lang="zh-CN" altLang="en-US" sz="2400" dirty="0" smtClean="0">
+                <a:latin typeface="宋体" panose="02010600030101010101" pitchFamily="2" charset="-122"/>
+                <a:ea typeface="宋体" panose="02010600030101010101" pitchFamily="2" charset="-122"/>
+              </a:rPr>
+              <a:t>分词结果中切分正确的总词数</a:t>
+            </a:r>
+            <a:r>
+              <a:rPr lang="en-US" altLang="zh-CN" sz="2400" dirty="0" smtClean="0">
+                <a:latin typeface="宋体" panose="02010600030101010101" pitchFamily="2" charset="-122"/>
+                <a:ea typeface="宋体" panose="02010600030101010101" pitchFamily="2" charset="-122"/>
+              </a:rPr>
+              <a:t>/</a:t>
+            </a:r>
+            <a:r>
+              <a:rPr lang="zh-CN" altLang="en-US" sz="2400" dirty="0">
+                <a:latin typeface="宋体" panose="02010600030101010101" pitchFamily="2" charset="-122"/>
+                <a:ea typeface="宋体" panose="02010600030101010101" pitchFamily="2" charset="-122"/>
+              </a:rPr>
+              <a:t>标准</a:t>
+            </a:r>
+            <a:r>
+              <a:rPr lang="zh-CN" altLang="en-US" sz="2400" dirty="0" smtClean="0">
+                <a:latin typeface="宋体" panose="02010600030101010101" pitchFamily="2" charset="-122"/>
+                <a:ea typeface="宋体" panose="02010600030101010101" pitchFamily="2" charset="-122"/>
+              </a:rPr>
+              <a:t>结果中的总词数</a:t>
+            </a:r>
+            <a:endParaRPr lang="en-US" altLang="zh-CN" sz="2400" dirty="0" smtClean="0">
+              <a:latin typeface="宋体" panose="02010600030101010101" pitchFamily="2" charset="-122"/>
+              <a:ea typeface="宋体" panose="02010600030101010101" pitchFamily="2" charset="-122"/>
+            </a:endParaRPr>
+          </a:p>
+          <a:p>
+            <a:pPr marL="0" indent="0">
+              <a:buNone/>
+            </a:pPr>
+            <a:r>
+              <a:rPr lang="en-US" altLang="zh-CN" sz="2400" dirty="0" smtClean="0">
+                <a:latin typeface="宋体" panose="02010600030101010101" pitchFamily="2" charset="-122"/>
+                <a:ea typeface="宋体" panose="02010600030101010101" pitchFamily="2" charset="-122"/>
+              </a:rPr>
+              <a:t>F=2PR/P+R</a:t>
+            </a:r>
+          </a:p>
+          <a:p>
+            <a:r>
+              <a:rPr lang="zh-CN" altLang="en-US" sz="2400" dirty="0" smtClean="0">
+                <a:latin typeface="宋体" panose="02010600030101010101" pitchFamily="2" charset="-122"/>
+                <a:ea typeface="宋体" panose="02010600030101010101" pitchFamily="2" charset="-122"/>
+              </a:rPr>
+              <a:t>评估结果</a:t>
+            </a:r>
+            <a:endParaRPr lang="en-US" altLang="zh-CN" sz="2400" dirty="0" smtClean="0">
+              <a:latin typeface="宋体" panose="02010600030101010101" pitchFamily="2" charset="-122"/>
+              <a:ea typeface="宋体" panose="02010600030101010101" pitchFamily="2" charset="-122"/>
+            </a:endParaRPr>
+          </a:p>
+          <a:p>
+            <a:pPr marL="0" indent="0">
+              <a:buNone/>
+            </a:pPr>
+            <a:endParaRPr lang="zh-CN" altLang="en-US" sz="2400" dirty="0"/>
+          </a:p>
+        </p:txBody>
+      </p:sp>
+      <p:pic>
+        <p:nvPicPr>
+          <p:cNvPr id="5" name="图片 4"/>
+          <p:cNvPicPr>
+            <a:picLocks noChangeAspect="1"/>
+          </p:cNvPicPr>
+          <p:nvPr/>
+        </p:nvPicPr>
+        <p:blipFill>
+          <a:blip r:embed="rId2"/>
+          <a:stretch>
+            <a:fillRect/>
+          </a:stretch>
+        </p:blipFill>
+        <p:spPr>
+          <a:xfrm>
+            <a:off x="2571775" y="4796124"/>
+            <a:ext cx="3810594" cy="1448307"/>
+          </a:xfrm>
+          <a:prstGeom prst="rect">
+            <a:avLst/>
+          </a:prstGeom>
+        </p:spPr>
+      </p:pic>
+      <p:pic>
+        <p:nvPicPr>
+          <p:cNvPr id="6" name="内容占位符 3"/>
+          <p:cNvPicPr>
+            <a:picLocks noChangeAspect="1"/>
+          </p:cNvPicPr>
+          <p:nvPr/>
+        </p:nvPicPr>
+        <p:blipFill>
+          <a:blip r:embed="rId3"/>
+          <a:stretch>
+            <a:fillRect/>
+          </a:stretch>
+        </p:blipFill>
+        <p:spPr>
+          <a:xfrm>
+            <a:off x="8374590" y="3434219"/>
+            <a:ext cx="1190476" cy="2723809"/>
+          </a:xfrm>
+          <a:prstGeom prst="rect">
+            <a:avLst/>
+          </a:prstGeom>
+        </p:spPr>
+      </p:pic>
+    </p:spTree>
+    <p:extLst>
+      <p:ext uri="{BB962C8B-B14F-4D97-AF65-F5344CB8AC3E}">
+        <p14:creationId xmlns:p14="http://schemas.microsoft.com/office/powerpoint/2010/main" val="2617707839"/>
+      </p:ext>
+    </p:extLst>
+  </p:cSld>
+  <p:clrMapOvr>
+    <a:masterClrMapping/>
+  </p:clrMapOvr>
+  <p:timing>
+    <p:tnLst>
+      <p:par>
+        <p:cTn id="1" dur="indefinite" restart="never" nodeType="tmRoot">
+          <p:childTnLst>
+            <p:seq concurrent="1" nextAc="seek">
+              <p:cTn id="2" dur="indefinite" nodeType="mainSeq">
+                <p:childTnLst>
+                  <p:par>
+                    <p:cTn id="3" fill="hold">
+                      <p:stCondLst>
+                        <p:cond delay="indefinite"/>
+                      </p:stCondLst>
+                      <p:childTnLst>
+                        <p:par>
+                          <p:cTn id="4" fill="hold">
+                            <p:stCondLst>
+                              <p:cond delay="0"/>
+                            </p:stCondLst>
+                            <p:childTnLst>
+                              <p:par>
+                                <p:cTn id="5" presetID="10" presetClass="entr" presetSubtype="0" fill="hold" nodeType="clickEffect">
+                                  <p:stCondLst>
+                                    <p:cond delay="0"/>
+                                  </p:stCondLst>
+                                  <p:childTnLst>
+                                    <p:set>
+                                      <p:cBhvr>
+                                        <p:cTn id="6" dur="1" fill="hold">
+                                          <p:stCondLst>
+                                            <p:cond delay="0"/>
+                                          </p:stCondLst>
+                                        </p:cTn>
+                                        <p:tgtEl>
+                                          <p:spTgt spid="5"/>
+                                        </p:tgtEl>
+                                        <p:attrNameLst>
+                                          <p:attrName>style.visibility</p:attrName>
+                                        </p:attrNameLst>
+                                      </p:cBhvr>
+                                      <p:to>
+                                        <p:strVal val="visible"/>
+                                      </p:to>
+                                    </p:set>
+                                    <p:animEffect transition="in" filter="fade">
+                                      <p:cBhvr>
+                                        <p:cTn id="7" dur="500"/>
+                                        <p:tgtEl>
+                                          <p:spTgt spid="5"/>
+                                        </p:tgtEl>
+                                      </p:cBhvr>
+                                    </p:animEffect>
+                                  </p:childTnLst>
+                                </p:cTn>
+                              </p:par>
+                            </p:childTnLst>
+                          </p:cTn>
+                        </p:par>
+                      </p:childTnLst>
+                    </p:cTn>
+                  </p:par>
+                  <p:par>
+                    <p:cTn id="8" fill="hold">
+                      <p:stCondLst>
+                        <p:cond delay="indefinite"/>
+                      </p:stCondLst>
+                      <p:childTnLst>
+                        <p:par>
+                          <p:cTn id="9" fill="hold">
+                            <p:stCondLst>
+                              <p:cond delay="0"/>
+                            </p:stCondLst>
+                            <p:childTnLst>
+                              <p:par>
+                                <p:cTn id="10" presetID="10" presetClass="entr" presetSubtype="0" fill="hold" nodeType="clickEffect">
+                                  <p:stCondLst>
+                                    <p:cond delay="0"/>
+                                  </p:stCondLst>
+                                  <p:childTnLst>
+                                    <p:set>
+                                      <p:cBhvr>
+                                        <p:cTn id="11" dur="1" fill="hold">
+                                          <p:stCondLst>
+                                            <p:cond delay="0"/>
+                                          </p:stCondLst>
+                                        </p:cTn>
+                                        <p:tgtEl>
+                                          <p:spTgt spid="6"/>
+                                        </p:tgtEl>
+                                        <p:attrNameLst>
+                                          <p:attrName>style.visibility</p:attrName>
+                                        </p:attrNameLst>
+                                      </p:cBhvr>
+                                      <p:to>
+                                        <p:strVal val="visible"/>
+                                      </p:to>
+                                    </p:set>
+                                    <p:animEffect transition="in" filter="fade">
+                                      <p:cBhvr>
+                                        <p:cTn id="12" dur="500"/>
+                                        <p:tgtEl>
+                                          <p:spTgt spid="6"/>
+                                        </p:tgtEl>
+                                      </p:cBhvr>
+                                    </p:animEffect>
+                                  </p:childTnLst>
+                                </p:cTn>
+                              </p:par>
+                            </p:childTnLst>
+                          </p:cTn>
+                        </p:par>
+                      </p:childTnLst>
+                    </p:cTn>
+                  </p:par>
+                </p:childTnLst>
+              </p:cTn>
+              <p:prevCondLst>
+                <p:cond evt="onPrev" delay="0">
+                  <p:tgtEl>
+                    <p:sldTgt/>
+                  </p:tgtEl>
+                </p:cond>
+              </p:prevCondLst>
+              <p:nextCondLst>
+                <p:cond evt="onNext" delay="0">
+                  <p:tgtEl>
+                    <p:sldTgt/>
+                  </p:tgtEl>
+                </p:cond>
+              </p:nextCondLst>
+            </p:seq>
+          </p:childTnLst>
+        </p:cTn>
+      </p:par>
+    </p:tnLst>
+  </p:timing>
+</p:sld>
+</file>
+
+<file path=ppt/slides/slide11.xml><?xml version="1.0" encoding="utf-8"?>
+<p:sld xmlns:a="http://schemas.openxmlformats.org/drawingml/2006/main" xmlns:r="http://schemas.openxmlformats.org/officeDocument/2006/relationships" xmlns:p="http://schemas.openxmlformats.org/presentationml/2006/main">
+  <p:cSld>
+    <p:spTree>
+      <p:nvGrpSpPr>
+        <p:cNvPr id="1" name=""/>
+        <p:cNvGrpSpPr/>
+        <p:nvPr/>
+      </p:nvGrpSpPr>
+      <p:grpSpPr>
+        <a:xfrm>
+          <a:off x="0" y="0"/>
+          <a:ext cx="0" cy="0"/>
+          <a:chOff x="0" y="0"/>
+          <a:chExt cx="0" cy="0"/>
+        </a:xfrm>
+      </p:grpSpPr>
+      <p:sp>
+        <p:nvSpPr>
+          <p:cNvPr id="2" name="标题 1"/>
+          <p:cNvSpPr>
+            <a:spLocks noGrp="1"/>
+          </p:cNvSpPr>
+          <p:nvPr>
             <p:ph type="ctrTitle"/>
           </p:nvPr>
         </p:nvSpPr>
@@ -6644,7 +7156,7 @@
         <p:spPr/>
         <p:txBody>
           <a:bodyPr>
-            <a:normAutofit fontScale="85000" lnSpcReduction="10000"/>
+            <a:normAutofit fontScale="70000" lnSpcReduction="20000"/>
           </a:bodyPr>
           <a:lstStyle/>
           <a:p>
@@ -6777,50 +7289,67 @@
             </a:r>
             <a:r>
               <a:rPr lang="zh-CN" altLang="en-US" sz="2400" b="1" dirty="0" smtClean="0"/>
-              <a:t>模型介绍</a:t>
-            </a:r>
-            <a:endParaRPr lang="zh-CN" altLang="en-US" sz="2400" dirty="0" smtClean="0"/>
+              <a:t>模型</a:t>
+            </a:r>
+            <a:r>
+              <a:rPr lang="zh-CN" altLang="en-US" sz="2400" b="1" dirty="0" smtClean="0"/>
+              <a:t>介绍</a:t>
+            </a:r>
+            <a:endParaRPr lang="en-US" altLang="zh-CN" sz="2400" b="1" dirty="0" smtClean="0"/>
           </a:p>
           <a:p>
             <a:pPr marL="0" indent="0">
               <a:buNone/>
             </a:pPr>
             <a:r>
-              <a:rPr lang="en-US" altLang="zh-CN" sz="2400" dirty="0" smtClean="0"/>
-              <a:t>  </a:t>
-            </a:r>
-            <a:r>
-              <a:rPr lang="en-US" altLang="zh-CN" sz="2400" dirty="0" err="1" smtClean="0"/>
-              <a:t>StatusSet</a:t>
-            </a:r>
-            <a:r>
-              <a:rPr lang="en-US" altLang="zh-CN" sz="2400" dirty="0" smtClean="0"/>
-              <a:t>: </a:t>
-            </a:r>
-            <a:r>
-              <a:rPr lang="zh-CN" altLang="en-US" sz="2400" dirty="0" smtClean="0"/>
-              <a:t>状态值集合</a:t>
-            </a:r>
-            <a:r>
-              <a:rPr lang="en-US" altLang="zh-CN" sz="2400" dirty="0" smtClean="0">
-                <a:latin typeface="宋体" panose="02010600030101010101" pitchFamily="2" charset="-122"/>
-                <a:ea typeface="宋体" panose="02010600030101010101" pitchFamily="2" charset="-122"/>
-              </a:rPr>
-              <a:t>S={B,M,E,S} </a:t>
-            </a:r>
-            <a:r>
-              <a:rPr lang="en-US" altLang="zh-CN" sz="2400" dirty="0" err="1" smtClean="0"/>
-              <a:t>ObservedSet</a:t>
-            </a:r>
-            <a:r>
-              <a:rPr lang="en-US" altLang="zh-CN" sz="2400" dirty="0" smtClean="0"/>
-              <a:t>: </a:t>
-            </a:r>
-            <a:r>
-              <a:rPr lang="zh-CN" altLang="en-US" sz="2400" dirty="0" smtClean="0"/>
-              <a:t>观察值集合</a:t>
-            </a:r>
-            <a:endParaRPr lang="en-US" altLang="zh-CN" sz="2400" dirty="0" smtClean="0"/>
+              <a:rPr lang="zh-CN" altLang="en-US" sz="2400" b="1" dirty="0" smtClean="0"/>
+              <a:t>（</a:t>
+            </a:r>
+            <a:r>
+              <a:rPr lang="en-US" altLang="zh-CN" sz="2400" b="1" dirty="0" smtClean="0"/>
+              <a:t>B,M,E,S</a:t>
+            </a:r>
+            <a:r>
+              <a:rPr lang="zh-CN" altLang="en-US" sz="2400" b="1" dirty="0" smtClean="0"/>
+              <a:t>）隐藏状态</a:t>
+            </a:r>
+            <a:r>
+              <a:rPr lang="zh-CN" altLang="en-US" dirty="0"/>
+              <a:t>，</a:t>
+            </a:r>
+            <a:r>
+              <a:rPr lang="en-US" altLang="zh-CN" dirty="0"/>
+              <a:t>B</a:t>
+            </a:r>
+            <a:r>
+              <a:rPr lang="zh-CN" altLang="en-US" dirty="0"/>
+              <a:t>代表该字是词语中的起始字，</a:t>
+            </a:r>
+            <a:r>
+              <a:rPr lang="en-US" altLang="zh-CN" dirty="0"/>
+              <a:t>M</a:t>
+            </a:r>
+            <a:r>
+              <a:rPr lang="zh-CN" altLang="en-US" dirty="0"/>
+              <a:t>代表是词语中的中间字，</a:t>
+            </a:r>
+            <a:r>
+              <a:rPr lang="en-US" altLang="zh-CN" dirty="0"/>
+              <a:t>E</a:t>
+            </a:r>
+            <a:r>
+              <a:rPr lang="zh-CN" altLang="en-US" dirty="0"/>
+              <a:t>代表是词语中的结束字，</a:t>
+            </a:r>
+            <a:r>
+              <a:rPr lang="en-US" altLang="zh-CN" dirty="0"/>
+              <a:t>S</a:t>
+            </a:r>
+            <a:r>
+              <a:rPr lang="zh-CN" altLang="en-US" dirty="0"/>
+              <a:t>则代表是单字成词</a:t>
+            </a:r>
+            <a:endParaRPr lang="zh-CN" altLang="en-US" sz="2400" dirty="0" smtClean="0"/>
           </a:p>
           <a:p>
             <a:pPr marL="0" indent="0">
@@ -6832,7 +7361,7 @@
             </a:r>
             <a:r>
               <a:rPr lang="en-US" altLang="zh-CN" sz="2400" dirty="0" err="1" smtClean="0"/>
-              <a:t>TransProbMatrix</a:t>
+              <a:t>StatusSet</a:t>
             </a:r>
             <a:r>
               <a:rPr lang="en-US" altLang="zh-CN" sz="2400" dirty="0" smtClean="0"/>
@@ -6840,7 +7369,56 @@
             </a:r>
             <a:r>
               <a:rPr lang="zh-CN" altLang="en-US" sz="2400" dirty="0" smtClean="0"/>
-              <a:t>转移概率矩阵        </a:t>
+              <a:t>状态值集合</a:t>
+            </a:r>
+            <a:r>
+              <a:rPr lang="en-US" altLang="zh-CN" sz="2400" dirty="0" smtClean="0">
+                <a:latin typeface="宋体" panose="02010600030101010101" pitchFamily="2" charset="-122"/>
+                <a:ea typeface="宋体" panose="02010600030101010101" pitchFamily="2" charset="-122"/>
+              </a:rPr>
+              <a:t>S={B,M,E,S} </a:t>
+            </a:r>
+            <a:r>
+              <a:rPr lang="en-US" altLang="zh-CN" sz="2400" dirty="0" err="1" smtClean="0"/>
+              <a:t>ObservedSet</a:t>
+            </a:r>
+            <a:r>
+              <a:rPr lang="en-US" altLang="zh-CN" sz="2400" dirty="0" smtClean="0"/>
+              <a:t>: </a:t>
+            </a:r>
+            <a:r>
+              <a:rPr lang="zh-CN" altLang="en-US" sz="2400" dirty="0" smtClean="0"/>
+              <a:t>观察值</a:t>
+            </a:r>
+            <a:r>
+              <a:rPr lang="zh-CN" altLang="en-US" sz="2400" dirty="0" smtClean="0"/>
+              <a:t>集合（句子字符序列）</a:t>
+            </a:r>
+            <a:endParaRPr lang="en-US" altLang="zh-CN" sz="2400" dirty="0" smtClean="0"/>
+          </a:p>
+          <a:p>
+            <a:pPr marL="0" indent="0">
+              <a:buNone/>
+            </a:pPr>
+            <a:r>
+              <a:rPr lang="en-US" altLang="zh-CN" sz="2400" dirty="0" smtClean="0"/>
+              <a:t>  </a:t>
+            </a:r>
+            <a:r>
+              <a:rPr lang="en-US" altLang="zh-CN" sz="2400" dirty="0" err="1" smtClean="0"/>
+              <a:t>TransProbMatrix</a:t>
+            </a:r>
+            <a:r>
+              <a:rPr lang="en-US" altLang="zh-CN" sz="2400" dirty="0" smtClean="0"/>
+              <a:t>: </a:t>
+            </a:r>
+            <a:r>
+              <a:rPr lang="zh-CN" altLang="en-US" sz="2400" dirty="0" smtClean="0"/>
+              <a:t>转移概率</a:t>
+            </a:r>
+            <a:r>
+              <a:rPr lang="zh-CN" altLang="en-US" sz="2400" dirty="0" smtClean="0"/>
+              <a:t>矩阵（状态转移）        </a:t>
             </a:r>
             <a:r>
               <a:rPr lang="en-US" altLang="zh-CN" sz="2400" dirty="0" err="1" smtClean="0"/>
@@ -6852,7 +7430,11 @@
             </a:r>
             <a:r>
               <a:rPr lang="zh-CN" altLang="en-US" sz="2400" dirty="0" smtClean="0"/>
-              <a:t>发射概率矩阵</a:t>
+              <a:t>发射概率</a:t>
+            </a:r>
+            <a:r>
+              <a:rPr lang="zh-CN" altLang="en-US" sz="2400" dirty="0" smtClean="0"/>
+              <a:t>矩阵（隐藏状态到观测）</a:t>
             </a:r>
             <a:endParaRPr lang="en-US" altLang="zh-CN" sz="2400" dirty="0" smtClean="0"/>
           </a:p>
@@ -7277,10 +7859,38 @@
             <a:pPr marL="0" indent="0">
               <a:buNone/>
             </a:pPr>
+            <a:r>
+              <a:rPr lang="en-US" altLang="zh-CN" dirty="0" smtClean="0"/>
+              <a:t>max</a:t>
+            </a:r>
             <a:endParaRPr lang="zh-CN" altLang="en-US" dirty="0"/>
           </a:p>
         </p:txBody>
       </p:sp>
+      <p:pic>
+        <p:nvPicPr>
+          <p:cNvPr id="4" name="图片 3"/>
+          <p:cNvPicPr>
+            <a:picLocks noChangeAspect="1"/>
+          </p:cNvPicPr>
+          <p:nvPr/>
+        </p:nvPicPr>
+        <p:blipFill>
+          <a:blip r:embed="rId2"/>
+          <a:stretch>
+            <a:fillRect/>
+          </a:stretch>
+        </p:blipFill>
+        <p:spPr>
+          <a:xfrm>
+            <a:off x="1865746" y="4276995"/>
+            <a:ext cx="7165876" cy="723937"/>
+          </a:xfrm>
+          <a:prstGeom prst="rect">
+            <a:avLst/>
+          </a:prstGeom>
+        </p:spPr>
+      </p:pic>
     </p:spTree>
     <p:extLst>
       <p:ext uri="{BB962C8B-B14F-4D97-AF65-F5344CB8AC3E}">
@@ -7302,6 +7912,187 @@
 </file>
 
 <file path=ppt/slides/slide8.xml><?xml version="1.0" encoding="utf-8"?>
+<p:sld xmlns:a="http://schemas.openxmlformats.org/drawingml/2006/main" xmlns:r="http://schemas.openxmlformats.org/officeDocument/2006/relationships" xmlns:p="http://schemas.openxmlformats.org/presentationml/2006/main">
+  <p:cSld>
+    <p:spTree>
+      <p:nvGrpSpPr>
+        <p:cNvPr id="1" name=""/>
+        <p:cNvGrpSpPr/>
+        <p:nvPr/>
+      </p:nvGrpSpPr>
+      <p:grpSpPr>
+        <a:xfrm>
+          <a:off x="0" y="0"/>
+          <a:ext cx="0" cy="0"/>
+          <a:chOff x="0" y="0"/>
+          <a:chExt cx="0" cy="0"/>
+        </a:xfrm>
+      </p:grpSpPr>
+      <p:sp>
+        <p:nvSpPr>
+          <p:cNvPr id="2" name="标题 1"/>
+          <p:cNvSpPr>
+            <a:spLocks noGrp="1"/>
+          </p:cNvSpPr>
+          <p:nvPr>
+            <p:ph type="title"/>
+          </p:nvPr>
+        </p:nvSpPr>
+        <p:spPr/>
+        <p:txBody>
+          <a:bodyPr/>
+          <a:lstStyle/>
+          <a:p>
+            <a:endParaRPr lang="zh-CN" altLang="en-US"/>
+          </a:p>
+        </p:txBody>
+      </p:sp>
+      <p:pic>
+        <p:nvPicPr>
+          <p:cNvPr id="4" name="内容占位符 3"/>
+          <p:cNvPicPr>
+            <a:picLocks noGrp="1" noChangeAspect="1"/>
+          </p:cNvPicPr>
+          <p:nvPr>
+            <p:ph idx="1"/>
+          </p:nvPr>
+        </p:nvPicPr>
+        <p:blipFill>
+          <a:blip r:embed="rId2"/>
+          <a:stretch>
+            <a:fillRect/>
+          </a:stretch>
+        </p:blipFill>
+        <p:spPr>
+          <a:xfrm>
+            <a:off x="1243866" y="1969567"/>
+            <a:ext cx="6083613" cy="590580"/>
+          </a:xfrm>
+          <a:prstGeom prst="rect">
+            <a:avLst/>
+          </a:prstGeom>
+        </p:spPr>
+      </p:pic>
+      <p:pic>
+        <p:nvPicPr>
+          <p:cNvPr id="6" name="图片 5"/>
+          <p:cNvPicPr>
+            <a:picLocks noChangeAspect="1"/>
+          </p:cNvPicPr>
+          <p:nvPr/>
+        </p:nvPicPr>
+        <p:blipFill>
+          <a:blip r:embed="rId3"/>
+          <a:stretch>
+            <a:fillRect/>
+          </a:stretch>
+        </p:blipFill>
+        <p:spPr>
+          <a:xfrm>
+            <a:off x="1909804" y="2338375"/>
+            <a:ext cx="3994355" cy="654084"/>
+          </a:xfrm>
+          <a:prstGeom prst="rect">
+            <a:avLst/>
+          </a:prstGeom>
+        </p:spPr>
+      </p:pic>
+      <p:sp>
+        <p:nvSpPr>
+          <p:cNvPr id="8" name="文本框 7"/>
+          <p:cNvSpPr txBox="1"/>
+          <p:nvPr/>
+        </p:nvSpPr>
+        <p:spPr>
+          <a:xfrm>
+            <a:off x="960582" y="3648364"/>
+            <a:ext cx="10492509" cy="369332"/>
+          </a:xfrm>
+          <a:prstGeom prst="rect">
+            <a:avLst/>
+          </a:prstGeom>
+          <a:noFill/>
+        </p:spPr>
+        <p:txBody>
+          <a:bodyPr wrap="square" rtlCol="0">
+            <a:spAutoFit/>
+          </a:bodyPr>
+          <a:lstStyle/>
+          <a:p>
+            <a:r>
+              <a:rPr lang="zh-CN" altLang="en-US" dirty="0"/>
+              <a:t>每一</a:t>
+            </a:r>
+            <a:r>
+              <a:rPr lang="zh-CN" altLang="en-US" dirty="0" smtClean="0"/>
+              <a:t>步求</a:t>
+            </a:r>
+            <a:r>
+              <a:rPr lang="en-US" altLang="zh-CN" dirty="0" err="1" smtClean="0"/>
+              <a:t>wei</a:t>
+            </a:r>
+            <a:r>
+              <a:rPr lang="en-US" altLang="zh-CN" dirty="0" smtClean="0"/>
+              <a:t>[</a:t>
+            </a:r>
+            <a:r>
+              <a:rPr lang="en-US" altLang="zh-CN" dirty="0" err="1" smtClean="0"/>
+              <a:t>si</a:t>
+            </a:r>
+            <a:r>
+              <a:rPr lang="en-US" altLang="zh-CN" dirty="0" smtClean="0"/>
+              <a:t>]=max(p(</a:t>
+            </a:r>
+            <a:r>
+              <a:rPr lang="en-US" altLang="zh-CN" dirty="0" err="1" smtClean="0"/>
+              <a:t>si</a:t>
+            </a:r>
+            <a:r>
+              <a:rPr lang="en-US" altLang="zh-CN" dirty="0" smtClean="0"/>
+              <a:t>/si-1)p(</a:t>
+            </a:r>
+            <a:r>
+              <a:rPr lang="en-US" altLang="zh-CN" dirty="0" err="1" smtClean="0"/>
+              <a:t>ot</a:t>
+            </a:r>
+            <a:r>
+              <a:rPr lang="en-US" altLang="zh-CN" dirty="0" smtClean="0"/>
+              <a:t>/</a:t>
+            </a:r>
+            <a:r>
+              <a:rPr lang="en-US" altLang="zh-CN" dirty="0" err="1" smtClean="0"/>
+              <a:t>si</a:t>
+            </a:r>
+            <a:r>
+              <a:rPr lang="en-US" altLang="zh-CN" dirty="0" smtClean="0"/>
+              <a:t>)(</a:t>
+            </a:r>
+            <a:r>
+              <a:rPr lang="en-US" altLang="zh-CN" dirty="0" err="1" smtClean="0"/>
+              <a:t>wei</a:t>
+            </a:r>
+            <a:r>
+              <a:rPr lang="en-US" altLang="zh-CN" dirty="0" smtClean="0"/>
+              <a:t>[si-1])))</a:t>
+            </a:r>
+            <a:endParaRPr lang="zh-CN" altLang="en-US" dirty="0"/>
+          </a:p>
+        </p:txBody>
+      </p:sp>
+    </p:spTree>
+    <p:extLst>
+      <p:ext uri="{BB962C8B-B14F-4D97-AF65-F5344CB8AC3E}">
+        <p14:creationId xmlns:p14="http://schemas.microsoft.com/office/powerpoint/2010/main" val="2088066428"/>
+      </p:ext>
+    </p:extLst>
+  </p:cSld>
+  <p:clrMapOvr>
+    <a:masterClrMapping/>
+  </p:clrMapOvr>
+</p:sld>
+</file>
+
+<file path=ppt/slides/slide9.xml><?xml version="1.0" encoding="utf-8"?>
 <p:sld xmlns:a="http://schemas.openxmlformats.org/drawingml/2006/main" xmlns:r="http://schemas.openxmlformats.org/officeDocument/2006/relationships" xmlns:p="http://schemas.openxmlformats.org/presentationml/2006/main">
   <p:cSld>
     <p:spTree>
@@ -9942,517 +10733,6 @@
     <p:tnLst>
       <p:par>
         <p:cTn id="1" dur="indefinite" restart="never" nodeType="tmRoot"/>
-      </p:par>
-    </p:tnLst>
-  </p:timing>
-</p:sld>
-</file>
-
-<file path=ppt/slides/slide9.xml><?xml version="1.0" encoding="utf-8"?>
-<p:sld xmlns:a="http://schemas.openxmlformats.org/drawingml/2006/main" xmlns:r="http://schemas.openxmlformats.org/officeDocument/2006/relationships" xmlns:p="http://schemas.openxmlformats.org/presentationml/2006/main">
-  <p:cSld>
-    <p:spTree>
-      <p:nvGrpSpPr>
-        <p:cNvPr id="1" name=""/>
-        <p:cNvGrpSpPr/>
-        <p:nvPr/>
-      </p:nvGrpSpPr>
-      <p:grpSpPr>
-        <a:xfrm>
-          <a:off x="0" y="0"/>
-          <a:ext cx="0" cy="0"/>
-          <a:chOff x="0" y="0"/>
-          <a:chExt cx="0" cy="0"/>
-        </a:xfrm>
-      </p:grpSpPr>
-      <p:sp>
-        <p:nvSpPr>
-          <p:cNvPr id="2" name="标题 1"/>
-          <p:cNvSpPr>
-            <a:spLocks noGrp="1"/>
-          </p:cNvSpPr>
-          <p:nvPr>
-            <p:ph type="title"/>
-          </p:nvPr>
-        </p:nvSpPr>
-        <p:spPr/>
-        <p:txBody>
-          <a:bodyPr>
-            <a:normAutofit fontScale="90000"/>
-          </a:bodyPr>
-          <a:lstStyle/>
-          <a:p>
-            <a:pPr lvl="0"/>
-            <a:r>
-              <a:rPr lang="en-US" altLang="zh-CN" dirty="0" smtClean="0">
-                <a:latin typeface="宋体" panose="02010600030101010101" pitchFamily="2" charset="-122"/>
-                <a:ea typeface="宋体" panose="02010600030101010101" pitchFamily="2" charset="-122"/>
-              </a:rPr>
-              <a:t/>
-            </a:r>
-            <a:br>
-              <a:rPr lang="en-US" altLang="zh-CN" dirty="0" smtClean="0">
-                <a:latin typeface="宋体" panose="02010600030101010101" pitchFamily="2" charset="-122"/>
-                <a:ea typeface="宋体" panose="02010600030101010101" pitchFamily="2" charset="-122"/>
-              </a:rPr>
-            </a:br>
-            <a:r>
-              <a:rPr lang="en-US" altLang="zh-CN" dirty="0">
-                <a:latin typeface="宋体" panose="02010600030101010101" pitchFamily="2" charset="-122"/>
-                <a:ea typeface="宋体" panose="02010600030101010101" pitchFamily="2" charset="-122"/>
-              </a:rPr>
-              <a:t> </a:t>
-            </a:r>
-            <a:r>
-              <a:rPr lang="en-US" altLang="zh-CN" dirty="0" smtClean="0">
-                <a:latin typeface="宋体" panose="02010600030101010101" pitchFamily="2" charset="-122"/>
-                <a:ea typeface="宋体" panose="02010600030101010101" pitchFamily="2" charset="-122"/>
-              </a:rPr>
-              <a:t>            </a:t>
-            </a:r>
-            <a:r>
-              <a:rPr lang="zh-CN" altLang="zh-CN" dirty="0" smtClean="0">
-                <a:latin typeface="宋体" panose="02010600030101010101" pitchFamily="2" charset="-122"/>
-                <a:ea typeface="宋体" panose="02010600030101010101" pitchFamily="2" charset="-122"/>
-              </a:rPr>
-              <a:t>评估</a:t>
-            </a:r>
-            <a:r>
-              <a:rPr lang="zh-CN" altLang="zh-CN" dirty="0">
-                <a:latin typeface="宋体" panose="02010600030101010101" pitchFamily="2" charset="-122"/>
-                <a:ea typeface="宋体" panose="02010600030101010101" pitchFamily="2" charset="-122"/>
-              </a:rPr>
-              <a:t>方法及评估结果</a:t>
-            </a:r>
-            <a:r>
-              <a:rPr lang="zh-CN" altLang="en-US" dirty="0">
-                <a:latin typeface="宋体" panose="02010600030101010101" pitchFamily="2" charset="-122"/>
-                <a:ea typeface="宋体" panose="02010600030101010101" pitchFamily="2" charset="-122"/>
-              </a:rPr>
-              <a:t/>
-            </a:r>
-            <a:br>
-              <a:rPr lang="zh-CN" altLang="en-US" dirty="0">
-                <a:latin typeface="宋体" panose="02010600030101010101" pitchFamily="2" charset="-122"/>
-                <a:ea typeface="宋体" panose="02010600030101010101" pitchFamily="2" charset="-122"/>
-              </a:rPr>
-            </a:br>
-            <a:endParaRPr lang="zh-CN" altLang="en-US" dirty="0"/>
-          </a:p>
-        </p:txBody>
-      </p:sp>
-      <p:sp>
-        <p:nvSpPr>
-          <p:cNvPr id="3" name="内容占位符 2"/>
-          <p:cNvSpPr>
-            <a:spLocks noGrp="1"/>
-          </p:cNvSpPr>
-          <p:nvPr>
-            <p:ph idx="1"/>
-          </p:nvPr>
-        </p:nvSpPr>
-        <p:spPr/>
-        <p:txBody>
-          <a:bodyPr/>
-          <a:lstStyle/>
-          <a:p>
-            <a:r>
-              <a:rPr lang="zh-CN" altLang="en-US" dirty="0" smtClean="0"/>
-              <a:t>评估方法</a:t>
-            </a:r>
-            <a:endParaRPr lang="en-US" altLang="zh-CN" dirty="0" smtClean="0"/>
-          </a:p>
-          <a:p>
-            <a:pPr marL="0" indent="0">
-              <a:buNone/>
-            </a:pPr>
-            <a:r>
-              <a:rPr lang="zh-CN" altLang="en-US" sz="2400" dirty="0" smtClean="0">
-                <a:latin typeface="宋体" panose="02010600030101010101" pitchFamily="2" charset="-122"/>
-                <a:ea typeface="宋体" panose="02010600030101010101" pitchFamily="2" charset="-122"/>
-              </a:rPr>
-              <a:t>  常用</a:t>
-            </a:r>
-            <a:r>
-              <a:rPr lang="zh-CN" altLang="en-US" sz="2400" dirty="0">
-                <a:latin typeface="宋体" panose="02010600030101010101" pitchFamily="2" charset="-122"/>
-                <a:ea typeface="宋体" panose="02010600030101010101" pitchFamily="2" charset="-122"/>
-              </a:rPr>
-              <a:t>的评测指标包括准确率</a:t>
-            </a:r>
-            <a:r>
-              <a:rPr lang="en-US" altLang="zh-CN" sz="2400" dirty="0">
-                <a:latin typeface="宋体" panose="02010600030101010101" pitchFamily="2" charset="-122"/>
-                <a:ea typeface="宋体" panose="02010600030101010101" pitchFamily="2" charset="-122"/>
-              </a:rPr>
-              <a:t>P(Precision)</a:t>
-            </a:r>
-            <a:r>
-              <a:rPr lang="zh-CN" altLang="en-US" sz="2400" dirty="0">
-                <a:latin typeface="宋体" panose="02010600030101010101" pitchFamily="2" charset="-122"/>
-                <a:ea typeface="宋体" panose="02010600030101010101" pitchFamily="2" charset="-122"/>
-              </a:rPr>
-              <a:t>、召回率</a:t>
-            </a:r>
-            <a:r>
-              <a:rPr lang="en-US" altLang="zh-CN" sz="2400" dirty="0">
-                <a:latin typeface="宋体" panose="02010600030101010101" pitchFamily="2" charset="-122"/>
-                <a:ea typeface="宋体" panose="02010600030101010101" pitchFamily="2" charset="-122"/>
-              </a:rPr>
-              <a:t>R(Recall)</a:t>
-            </a:r>
-            <a:r>
-              <a:rPr lang="zh-CN" altLang="en-US" sz="2400" dirty="0">
-                <a:latin typeface="宋体" panose="02010600030101010101" pitchFamily="2" charset="-122"/>
-                <a:ea typeface="宋体" panose="02010600030101010101" pitchFamily="2" charset="-122"/>
-              </a:rPr>
-              <a:t>和</a:t>
-            </a:r>
-            <a:r>
-              <a:rPr lang="en-US" altLang="zh-CN" sz="2400" dirty="0">
-                <a:latin typeface="宋体" panose="02010600030101010101" pitchFamily="2" charset="-122"/>
-                <a:ea typeface="宋体" panose="02010600030101010101" pitchFamily="2" charset="-122"/>
-              </a:rPr>
-              <a:t>F</a:t>
-            </a:r>
-            <a:r>
-              <a:rPr lang="zh-CN" altLang="en-US" sz="2400" dirty="0">
-                <a:latin typeface="宋体" panose="02010600030101010101" pitchFamily="2" charset="-122"/>
-                <a:ea typeface="宋体" panose="02010600030101010101" pitchFamily="2" charset="-122"/>
-              </a:rPr>
-              <a:t>值</a:t>
-            </a:r>
-            <a:r>
-              <a:rPr lang="en-US" altLang="zh-CN" sz="2400" dirty="0">
-                <a:latin typeface="宋体" panose="02010600030101010101" pitchFamily="2" charset="-122"/>
-                <a:ea typeface="宋体" panose="02010600030101010101" pitchFamily="2" charset="-122"/>
-              </a:rPr>
-              <a:t>(F Score</a:t>
-            </a:r>
-            <a:r>
-              <a:rPr lang="en-US" altLang="zh-CN" sz="2400" dirty="0" smtClean="0">
-                <a:latin typeface="宋体" panose="02010600030101010101" pitchFamily="2" charset="-122"/>
-                <a:ea typeface="宋体" panose="02010600030101010101" pitchFamily="2" charset="-122"/>
-              </a:rPr>
-              <a:t>)</a:t>
-            </a:r>
-            <a:r>
-              <a:rPr lang="zh-CN" altLang="en-US" sz="2400" dirty="0" smtClean="0">
-                <a:latin typeface="宋体" panose="02010600030101010101" pitchFamily="2" charset="-122"/>
-                <a:ea typeface="宋体" panose="02010600030101010101" pitchFamily="2" charset="-122"/>
-              </a:rPr>
-              <a:t>。</a:t>
-            </a:r>
-            <a:endParaRPr lang="en-US" altLang="zh-CN" sz="2400" dirty="0" smtClean="0">
-              <a:latin typeface="宋体" panose="02010600030101010101" pitchFamily="2" charset="-122"/>
-              <a:ea typeface="宋体" panose="02010600030101010101" pitchFamily="2" charset="-122"/>
-            </a:endParaRPr>
-          </a:p>
-          <a:p>
-            <a:pPr marL="0" indent="0">
-              <a:buNone/>
-            </a:pPr>
-            <a:r>
-              <a:rPr lang="en-US" altLang="zh-CN" sz="2400" dirty="0" smtClean="0">
-                <a:latin typeface="宋体" panose="02010600030101010101" pitchFamily="2" charset="-122"/>
-                <a:ea typeface="宋体" panose="02010600030101010101" pitchFamily="2" charset="-122"/>
-              </a:rPr>
-              <a:t>P=</a:t>
-            </a:r>
-            <a:r>
-              <a:rPr lang="zh-CN" altLang="en-US" sz="2400" dirty="0" smtClean="0">
-                <a:latin typeface="宋体" panose="02010600030101010101" pitchFamily="2" charset="-122"/>
-                <a:ea typeface="宋体" panose="02010600030101010101" pitchFamily="2" charset="-122"/>
-              </a:rPr>
-              <a:t>分词结果中切分正确的总词数</a:t>
-            </a:r>
-            <a:r>
-              <a:rPr lang="en-US" altLang="zh-CN" sz="2400" dirty="0" smtClean="0">
-                <a:latin typeface="宋体" panose="02010600030101010101" pitchFamily="2" charset="-122"/>
-                <a:ea typeface="宋体" panose="02010600030101010101" pitchFamily="2" charset="-122"/>
-              </a:rPr>
-              <a:t>/</a:t>
-            </a:r>
-            <a:r>
-              <a:rPr lang="zh-CN" altLang="en-US" sz="2400" dirty="0" smtClean="0">
-                <a:latin typeface="宋体" panose="02010600030101010101" pitchFamily="2" charset="-122"/>
-                <a:ea typeface="宋体" panose="02010600030101010101" pitchFamily="2" charset="-122"/>
-              </a:rPr>
-              <a:t>分词结果中的总词数</a:t>
-            </a:r>
-            <a:endParaRPr lang="en-US" altLang="zh-CN" sz="2400" dirty="0" smtClean="0">
-              <a:latin typeface="宋体" panose="02010600030101010101" pitchFamily="2" charset="-122"/>
-              <a:ea typeface="宋体" panose="02010600030101010101" pitchFamily="2" charset="-122"/>
-            </a:endParaRPr>
-          </a:p>
-          <a:p>
-            <a:pPr marL="0" indent="0">
-              <a:buNone/>
-            </a:pPr>
-            <a:r>
-              <a:rPr lang="en-US" altLang="zh-CN" sz="2400" dirty="0" smtClean="0">
-                <a:latin typeface="宋体" panose="02010600030101010101" pitchFamily="2" charset="-122"/>
-                <a:ea typeface="宋体" panose="02010600030101010101" pitchFamily="2" charset="-122"/>
-              </a:rPr>
-              <a:t>R=</a:t>
-            </a:r>
-            <a:r>
-              <a:rPr lang="zh-CN" altLang="en-US" sz="2400" dirty="0" smtClean="0">
-                <a:latin typeface="宋体" panose="02010600030101010101" pitchFamily="2" charset="-122"/>
-                <a:ea typeface="宋体" panose="02010600030101010101" pitchFamily="2" charset="-122"/>
-              </a:rPr>
-              <a:t>分词结果中切分正确的总词数</a:t>
-            </a:r>
-            <a:r>
-              <a:rPr lang="en-US" altLang="zh-CN" sz="2400" dirty="0" smtClean="0">
-                <a:latin typeface="宋体" panose="02010600030101010101" pitchFamily="2" charset="-122"/>
-                <a:ea typeface="宋体" panose="02010600030101010101" pitchFamily="2" charset="-122"/>
-              </a:rPr>
-              <a:t>/</a:t>
-            </a:r>
-            <a:r>
-              <a:rPr lang="zh-CN" altLang="en-US" sz="2400" dirty="0">
-                <a:latin typeface="宋体" panose="02010600030101010101" pitchFamily="2" charset="-122"/>
-                <a:ea typeface="宋体" panose="02010600030101010101" pitchFamily="2" charset="-122"/>
-              </a:rPr>
-              <a:t>标准</a:t>
-            </a:r>
-            <a:r>
-              <a:rPr lang="zh-CN" altLang="en-US" sz="2400" dirty="0" smtClean="0">
-                <a:latin typeface="宋体" panose="02010600030101010101" pitchFamily="2" charset="-122"/>
-                <a:ea typeface="宋体" panose="02010600030101010101" pitchFamily="2" charset="-122"/>
-              </a:rPr>
-              <a:t>结果中的总词数</a:t>
-            </a:r>
-            <a:endParaRPr lang="en-US" altLang="zh-CN" sz="2400" dirty="0" smtClean="0">
-              <a:latin typeface="宋体" panose="02010600030101010101" pitchFamily="2" charset="-122"/>
-              <a:ea typeface="宋体" panose="02010600030101010101" pitchFamily="2" charset="-122"/>
-            </a:endParaRPr>
-          </a:p>
-          <a:p>
-            <a:pPr marL="0" indent="0">
-              <a:buNone/>
-            </a:pPr>
-            <a:r>
-              <a:rPr lang="en-US" altLang="zh-CN" sz="2400" dirty="0" smtClean="0">
-                <a:latin typeface="宋体" panose="02010600030101010101" pitchFamily="2" charset="-122"/>
-                <a:ea typeface="宋体" panose="02010600030101010101" pitchFamily="2" charset="-122"/>
-              </a:rPr>
-              <a:t>F=2PR/P+R</a:t>
-            </a:r>
-          </a:p>
-          <a:p>
-            <a:r>
-              <a:rPr lang="zh-CN" altLang="en-US" sz="2400" dirty="0" smtClean="0">
-                <a:latin typeface="宋体" panose="02010600030101010101" pitchFamily="2" charset="-122"/>
-                <a:ea typeface="宋体" panose="02010600030101010101" pitchFamily="2" charset="-122"/>
-              </a:rPr>
-              <a:t>评估结果</a:t>
-            </a:r>
-            <a:endParaRPr lang="en-US" altLang="zh-CN" sz="2400" dirty="0" smtClean="0">
-              <a:latin typeface="宋体" panose="02010600030101010101" pitchFamily="2" charset="-122"/>
-              <a:ea typeface="宋体" panose="02010600030101010101" pitchFamily="2" charset="-122"/>
-            </a:endParaRPr>
-          </a:p>
-          <a:p>
-            <a:pPr marL="0" indent="0">
-              <a:buNone/>
-            </a:pPr>
-            <a:endParaRPr lang="zh-CN" altLang="en-US" sz="2400" dirty="0"/>
-          </a:p>
-        </p:txBody>
-      </p:sp>
-      <p:pic>
-        <p:nvPicPr>
-          <p:cNvPr id="5" name="图片 4"/>
-          <p:cNvPicPr>
-            <a:picLocks noChangeAspect="1"/>
-          </p:cNvPicPr>
-          <p:nvPr/>
-        </p:nvPicPr>
-        <p:blipFill>
-          <a:blip r:embed="rId2"/>
-          <a:stretch>
-            <a:fillRect/>
-          </a:stretch>
-        </p:blipFill>
-        <p:spPr>
-          <a:xfrm>
-            <a:off x="2571775" y="4796124"/>
-            <a:ext cx="3810594" cy="1448307"/>
-          </a:xfrm>
-          <a:prstGeom prst="rect">
-            <a:avLst/>
-          </a:prstGeom>
-        </p:spPr>
-      </p:pic>
-      <p:pic>
-        <p:nvPicPr>
-          <p:cNvPr id="6" name="内容占位符 3"/>
-          <p:cNvPicPr>
-            <a:picLocks noChangeAspect="1"/>
-          </p:cNvPicPr>
-          <p:nvPr/>
-        </p:nvPicPr>
-        <p:blipFill>
-          <a:blip r:embed="rId3"/>
-          <a:stretch>
-            <a:fillRect/>
-          </a:stretch>
-        </p:blipFill>
-        <p:spPr>
-          <a:xfrm>
-            <a:off x="8374590" y="3434219"/>
-            <a:ext cx="1190476" cy="2723809"/>
-          </a:xfrm>
-          <a:prstGeom prst="rect">
-            <a:avLst/>
-          </a:prstGeom>
-        </p:spPr>
-      </p:pic>
-    </p:spTree>
-    <p:extLst>
-      <p:ext uri="{BB962C8B-B14F-4D97-AF65-F5344CB8AC3E}">
-        <p14:creationId xmlns:p14="http://schemas.microsoft.com/office/powerpoint/2010/main" val="2617707839"/>
-      </p:ext>
-    </p:extLst>
-  </p:cSld>
-  <p:clrMapOvr>
-    <a:masterClrMapping/>
-  </p:clrMapOvr>
-  <p:timing>
-    <p:tnLst>
-      <p:par>
-        <p:cTn id="1" dur="indefinite" restart="never" nodeType="tmRoot">
-          <p:childTnLst>
-            <p:seq concurrent="1" nextAc="seek">
-              <p:cTn id="2" dur="indefinite" nodeType="mainSeq">
-                <p:childTnLst>
-                  <p:par>
-                    <p:cTn id="3" fill="hold">
-                      <p:stCondLst>
-                        <p:cond delay="indefinite"/>
-                      </p:stCondLst>
-                      <p:childTnLst>
-                        <p:par>
-                          <p:cTn id="4" fill="hold">
-                            <p:stCondLst>
-                              <p:cond delay="0"/>
-                            </p:stCondLst>
-                            <p:childTnLst>
-                              <p:par>
-                                <p:cTn id="5" presetID="10" presetClass="entr" presetSubtype="0" fill="hold" nodeType="clickEffect">
-                                  <p:stCondLst>
-                                    <p:cond delay="0"/>
-                                  </p:stCondLst>
-                                  <p:childTnLst>
-                                    <p:set>
-                                      <p:cBhvr>
-                                        <p:cTn id="6" dur="1" fill="hold">
-                                          <p:stCondLst>
-                                            <p:cond delay="0"/>
-                                          </p:stCondLst>
-                                        </p:cTn>
-                                        <p:tgtEl>
-                                          <p:spTgt spid="5"/>
-                                        </p:tgtEl>
-                                        <p:attrNameLst>
-                                          <p:attrName>style.visibility</p:attrName>
-                                        </p:attrNameLst>
-                                      </p:cBhvr>
-                                      <p:to>
-                                        <p:strVal val="visible"/>
-                                      </p:to>
-                                    </p:set>
-                                    <p:animEffect transition="in" filter="fade">
-                                      <p:cBhvr>
-                                        <p:cTn id="7" dur="500"/>
-                                        <p:tgtEl>
-                                          <p:spTgt spid="5"/>
-                                        </p:tgtEl>
-                                      </p:cBhvr>
-                                    </p:animEffect>
-                                  </p:childTnLst>
-                                </p:cTn>
-                              </p:par>
-                            </p:childTnLst>
-                          </p:cTn>
-                        </p:par>
-                      </p:childTnLst>
-                    </p:cTn>
-                  </p:par>
-                  <p:par>
-                    <p:cTn id="8" fill="hold">
-                      <p:stCondLst>
-                        <p:cond delay="indefinite"/>
-                      </p:stCondLst>
-                      <p:childTnLst>
-                        <p:par>
-                          <p:cTn id="9" fill="hold">
-                            <p:stCondLst>
-                              <p:cond delay="0"/>
-                            </p:stCondLst>
-                            <p:childTnLst>
-                              <p:par>
-                                <p:cTn id="10" presetID="10" presetClass="entr" presetSubtype="0" fill="hold" nodeType="clickEffect">
-                                  <p:stCondLst>
-                                    <p:cond delay="0"/>
-                                  </p:stCondLst>
-                                  <p:childTnLst>
-                                    <p:set>
-                                      <p:cBhvr>
-                                        <p:cTn id="11" dur="1" fill="hold">
-                                          <p:stCondLst>
-                                            <p:cond delay="0"/>
-                                          </p:stCondLst>
-                                        </p:cTn>
-                                        <p:tgtEl>
-                                          <p:spTgt spid="6"/>
-                                        </p:tgtEl>
-                                        <p:attrNameLst>
-                                          <p:attrName>style.visibility</p:attrName>
-                                        </p:attrNameLst>
-                                      </p:cBhvr>
-                                      <p:to>
-                                        <p:strVal val="visible"/>
-                                      </p:to>
-                                    </p:set>
-                                    <p:animEffect transition="in" filter="fade">
-                                      <p:cBhvr>
-                                        <p:cTn id="12" dur="500"/>
-                                        <p:tgtEl>
-                                          <p:spTgt spid="6"/>
-                                        </p:tgtEl>
-                                      </p:cBhvr>
-                                    </p:animEffect>
-                                  </p:childTnLst>
-                                </p:cTn>
-                              </p:par>
-                            </p:childTnLst>
-                          </p:cTn>
-                        </p:par>
-                      </p:childTnLst>
-                    </p:cTn>
-                  </p:par>
-                </p:childTnLst>
-              </p:cTn>
-              <p:prevCondLst>
-                <p:cond evt="onPrev" delay="0">
-                  <p:tgtEl>
-                    <p:sldTgt/>
-                  </p:tgtEl>
-                </p:cond>
-              </p:prevCondLst>
-              <p:nextCondLst>
-                <p:cond evt="onNext" delay="0">
-                  <p:tgtEl>
-                    <p:sldTgt/>
-                  </p:tgtEl>
-                </p:cond>
-              </p:nextCondLst>
-            </p:seq>
-          </p:childTnLst>
-        </p:cTn>
       </p:par>
     </p:tnLst>
   </p:timing>
